--- a/report.pptx
+++ b/report.pptx
@@ -8917,7 +8917,7 @@
             <p:ph idx="1"/>
             <p:extLst>
               <p:ext uri="{D42A27DB-BD31-4B8C-83A1-F6EECF244321}">
-                <p14:modId xmlns:p14="http://schemas.microsoft.com/office/powerpoint/2010/main" val="2085563207"/>
+                <p14:modId xmlns:p14="http://schemas.microsoft.com/office/powerpoint/2010/main" val="2204200332"/>
               </p:ext>
             </p:extLst>
           </p:nvPr>
@@ -9084,8 +9084,18 @@
                         <a:buNone/>
                       </a:pPr>
                       <a:r>
-                        <a:t>wager</a:t>
-                      </a:r>
+                        <a:rPr lang="en-US" dirty="0"/>
+                        <a:t>w</a:t>
+                      </a:r>
+                      <a:r>
+                        <a:rPr dirty="0"/>
+                        <a:t>ager</a:t>
+                      </a:r>
+                      <a:r>
+                        <a:rPr lang="en-US" dirty="0"/>
+                        <a:t> </a:t>
+                      </a:r>
+                      <a:endParaRPr dirty="0"/>
                     </a:p>
                   </a:txBody>
                   <a:tcPr/>
@@ -9114,7 +9124,12 @@
                         <a:buNone/>
                       </a:pPr>
                       <a:r>
-                        <a:t>profit</a:t>
+                        <a:rPr lang="en-US" dirty="0"/>
+                        <a:t>p</a:t>
+                      </a:r>
+                      <a:r>
+                        <a:rPr dirty="0"/>
+                        <a:t>rofit</a:t>
                       </a:r>
                     </a:p>
                   </a:txBody>
@@ -10443,11 +10458,16 @@
           </p:cNvGraphicFramePr>
           <p:nvPr>
             <p:ph idx="1"/>
+            <p:extLst>
+              <p:ext uri="{D42A27DB-BD31-4B8C-83A1-F6EECF244321}">
+                <p14:modId xmlns:p14="http://schemas.microsoft.com/office/powerpoint/2010/main" val="2403690111"/>
+              </p:ext>
+            </p:extLst>
           </p:nvPr>
         </p:nvGraphicFramePr>
         <p:xfrm>
-          <a:off x="3568700" y="203200"/>
-          <a:ext cx="5080000" cy="4229100"/>
+          <a:off x="3568700" y="203199"/>
+          <a:ext cx="5245100" cy="4391421"/>
         </p:xfrm>
         <a:graphic>
           <a:graphicData uri="http://schemas.openxmlformats.org/drawingml/2006/table">
@@ -10456,35 +10476,35 @@
                 <a:tableStyleId>{5C22544A-7EE6-4342-B048-85BDC9FD1C3A}</a:tableStyleId>
               </a:tblPr>
               <a:tblGrid>
-                <a:gridCol w="1016000">
+                <a:gridCol w="1049020">
                   <a:extLst>
                     <a:ext uri="{9D8B030D-6E8A-4147-A177-3AD203B41FA5}">
                       <a16:colId xmlns:a16="http://schemas.microsoft.com/office/drawing/2014/main" val="20000"/>
                     </a:ext>
                   </a:extLst>
                 </a:gridCol>
-                <a:gridCol w="1016000">
+                <a:gridCol w="1049020">
                   <a:extLst>
                     <a:ext uri="{9D8B030D-6E8A-4147-A177-3AD203B41FA5}">
                       <a16:colId xmlns:a16="http://schemas.microsoft.com/office/drawing/2014/main" val="20001"/>
                     </a:ext>
                   </a:extLst>
                 </a:gridCol>
-                <a:gridCol w="1016000">
+                <a:gridCol w="1049020">
                   <a:extLst>
                     <a:ext uri="{9D8B030D-6E8A-4147-A177-3AD203B41FA5}">
                       <a16:colId xmlns:a16="http://schemas.microsoft.com/office/drawing/2014/main" val="20002"/>
                     </a:ext>
                   </a:extLst>
                 </a:gridCol>
-                <a:gridCol w="1016000">
+                <a:gridCol w="1049020">
                   <a:extLst>
                     <a:ext uri="{9D8B030D-6E8A-4147-A177-3AD203B41FA5}">
                       <a16:colId xmlns:a16="http://schemas.microsoft.com/office/drawing/2014/main" val="20003"/>
                     </a:ext>
                   </a:extLst>
                 </a:gridCol>
-                <a:gridCol w="1016000">
+                <a:gridCol w="1049020">
                   <a:extLst>
                     <a:ext uri="{9D8B030D-6E8A-4147-A177-3AD203B41FA5}">
                       <a16:colId xmlns:a16="http://schemas.microsoft.com/office/drawing/2014/main" val="20004"/>
@@ -10492,7 +10512,7 @@
                   </a:extLst>
                 </a:gridCol>
               </a:tblGrid>
-              <a:tr h="0">
+              <a:tr h="735860">
                 <a:tc>
                   <a:txBody>
                     <a:bodyPr/>
@@ -10574,7 +10594,7 @@
                   </a:ext>
                 </a:extLst>
               </a:tr>
-              <a:tr h="0">
+              <a:tr h="735860">
                 <a:tc>
                   <a:txBody>
                     <a:bodyPr/>
@@ -10656,7 +10676,7 @@
                   </a:ext>
                 </a:extLst>
               </a:tr>
-              <a:tr h="0">
+              <a:tr h="735860">
                 <a:tc>
                   <a:txBody>
                     <a:bodyPr/>
@@ -10738,7 +10758,7 @@
                   </a:ext>
                 </a:extLst>
               </a:tr>
-              <a:tr h="0">
+              <a:tr h="308586">
                 <a:tc>
                   <a:txBody>
                     <a:bodyPr/>
@@ -10820,7 +10840,7 @@
                   </a:ext>
                 </a:extLst>
               </a:tr>
-              <a:tr h="0">
+              <a:tr h="522223">
                 <a:tc>
                   <a:txBody>
                     <a:bodyPr/>
@@ -10902,7 +10922,7 @@
                   </a:ext>
                 </a:extLst>
               </a:tr>
-              <a:tr h="0">
+              <a:tr h="308586">
                 <a:tc>
                   <a:txBody>
                     <a:bodyPr/>
@@ -10984,7 +11004,7 @@
                   </a:ext>
                 </a:extLst>
               </a:tr>
-              <a:tr h="0">
+              <a:tr h="522223">
                 <a:tc>
                   <a:txBody>
                     <a:bodyPr/>
@@ -11066,7 +11086,7 @@
                   </a:ext>
                 </a:extLst>
               </a:tr>
-              <a:tr h="0">
+              <a:tr h="522223">
                 <a:tc>
                   <a:txBody>
                     <a:bodyPr/>
@@ -11106,6 +11126,7 @@
                         <a:buNone/>
                       </a:pPr>
                       <a:r>
+                        <a:rPr dirty="0"/>
                         <a:t>-1620.0713</a:t>
                       </a:r>
                     </a:p>
@@ -11136,6 +11157,7 @@
                         <a:buNone/>
                       </a:pPr>
                       <a:r>
+                        <a:rPr dirty="0"/>
                         <a:t>1010</a:t>
                       </a:r>
                     </a:p>
